--- a/NEW UI MASTER.pptx
+++ b/NEW UI MASTER.pptx
@@ -31169,7 +31169,7 @@
           <a:p>
             <a:r>
               <a:rPr lang="en-US" sz="1200" dirty="0"/>
-              <a:t>Views</a:t>
+              <a:t>Content</a:t>
             </a:r>
           </a:p>
         </p:txBody>
@@ -31188,8 +31188,8 @@
         </p:nvSpPr>
         <p:spPr>
           <a:xfrm>
-            <a:off x="6646399" y="3363989"/>
-            <a:ext cx="2317500" cy="461665"/>
+            <a:off x="6903414" y="3396505"/>
+            <a:ext cx="1158441" cy="461665"/>
           </a:xfrm>
           <a:prstGeom prst="rect">
             <a:avLst/>
@@ -31204,7 +31204,7 @@
           <a:p>
             <a:r>
               <a:rPr lang="en-US" sz="2400" dirty="0"/>
-              <a:t>1,234</a:t>
+              <a:t>8</a:t>
             </a:r>
           </a:p>
         </p:txBody>
@@ -31416,6 +31416,160 @@
             <a:r>
               <a:rPr lang="en-US" dirty="0"/>
               <a:t>Make each section editable</a:t>
+            </a:r>
+          </a:p>
+        </p:txBody>
+      </p:sp>
+      <p:sp>
+        <p:nvSpPr>
+          <p:cNvPr id="63" name="Rectangle: Rounded Corners 62">
+            <a:extLst>
+              <a:ext uri="{FF2B5EF4-FFF2-40B4-BE49-F238E27FC236}">
+                <a16:creationId xmlns:a16="http://schemas.microsoft.com/office/drawing/2014/main" id="{FB3813C2-959E-41C0-914C-547ABF1A9E48}"/>
+              </a:ext>
+            </a:extLst>
+          </p:cNvPr>
+          <p:cNvSpPr/>
+          <p:nvPr/>
+        </p:nvSpPr>
+        <p:spPr>
+          <a:xfrm>
+            <a:off x="8777149" y="2934073"/>
+            <a:ext cx="1602263" cy="1283161"/>
+          </a:xfrm>
+          <a:prstGeom prst="roundRect">
+            <a:avLst/>
+          </a:prstGeom>
+          <a:solidFill>
+            <a:schemeClr val="bg2"/>
+          </a:solidFill>
+        </p:spPr>
+        <p:style>
+          <a:lnRef idx="2">
+            <a:schemeClr val="accent1">
+              <a:shade val="50000"/>
+            </a:schemeClr>
+          </a:lnRef>
+          <a:fillRef idx="1">
+            <a:schemeClr val="accent1"/>
+          </a:fillRef>
+          <a:effectRef idx="0">
+            <a:schemeClr val="accent1"/>
+          </a:effectRef>
+          <a:fontRef idx="minor">
+            <a:schemeClr val="lt1"/>
+          </a:fontRef>
+        </p:style>
+        <p:txBody>
+          <a:bodyPr rtlCol="0" anchor="ctr"/>
+          <a:lstStyle/>
+          <a:p>
+            <a:pPr algn="ctr"/>
+            <a:endParaRPr lang="en-US" b="1" dirty="0"/>
+          </a:p>
+        </p:txBody>
+      </p:sp>
+      <p:sp>
+        <p:nvSpPr>
+          <p:cNvPr id="65" name="TextBox 64">
+            <a:extLst>
+              <a:ext uri="{FF2B5EF4-FFF2-40B4-BE49-F238E27FC236}">
+                <a16:creationId xmlns:a16="http://schemas.microsoft.com/office/drawing/2014/main" id="{FFF7303D-7257-46EB-AB83-8C799BC04FAB}"/>
+              </a:ext>
+            </a:extLst>
+          </p:cNvPr>
+          <p:cNvSpPr txBox="1"/>
+          <p:nvPr/>
+        </p:nvSpPr>
+        <p:spPr>
+          <a:xfrm>
+            <a:off x="9098495" y="3042059"/>
+            <a:ext cx="1925696" cy="276999"/>
+          </a:xfrm>
+          <a:prstGeom prst="rect">
+            <a:avLst/>
+          </a:prstGeom>
+          <a:noFill/>
+        </p:spPr>
+        <p:txBody>
+          <a:bodyPr wrap="square" rtlCol="0">
+            <a:spAutoFit/>
+          </a:bodyPr>
+          <a:lstStyle/>
+          <a:p>
+            <a:r>
+              <a:rPr lang="en-US" sz="1200" dirty="0"/>
+              <a:t>Views</a:t>
+            </a:r>
+          </a:p>
+        </p:txBody>
+      </p:sp>
+      <p:sp>
+        <p:nvSpPr>
+          <p:cNvPr id="69" name="TextBox 68">
+            <a:extLst>
+              <a:ext uri="{FF2B5EF4-FFF2-40B4-BE49-F238E27FC236}">
+                <a16:creationId xmlns:a16="http://schemas.microsoft.com/office/drawing/2014/main" id="{617CD90F-E85E-4EAC-83C2-977AA08E529F}"/>
+              </a:ext>
+            </a:extLst>
+          </p:cNvPr>
+          <p:cNvSpPr txBox="1"/>
+          <p:nvPr/>
+        </p:nvSpPr>
+        <p:spPr>
+          <a:xfrm>
+            <a:off x="9034221" y="3366579"/>
+            <a:ext cx="2317500" cy="461665"/>
+          </a:xfrm>
+          <a:prstGeom prst="rect">
+            <a:avLst/>
+          </a:prstGeom>
+          <a:noFill/>
+        </p:spPr>
+        <p:txBody>
+          <a:bodyPr wrap="square" rtlCol="0">
+            <a:spAutoFit/>
+          </a:bodyPr>
+          <a:lstStyle/>
+          <a:p>
+            <a:r>
+              <a:rPr lang="en-US" sz="2400" dirty="0"/>
+              <a:t>1,234</a:t>
+            </a:r>
+          </a:p>
+        </p:txBody>
+      </p:sp>
+      <p:sp>
+        <p:nvSpPr>
+          <p:cNvPr id="71" name="TextBox 70">
+            <a:extLst>
+              <a:ext uri="{FF2B5EF4-FFF2-40B4-BE49-F238E27FC236}">
+                <a16:creationId xmlns:a16="http://schemas.microsoft.com/office/drawing/2014/main" id="{A501D1C1-E5E6-4A62-AEF1-FFA8EECB6FEB}"/>
+              </a:ext>
+            </a:extLst>
+          </p:cNvPr>
+          <p:cNvSpPr txBox="1"/>
+          <p:nvPr/>
+        </p:nvSpPr>
+        <p:spPr>
+          <a:xfrm>
+            <a:off x="6658790" y="3828980"/>
+            <a:ext cx="1925696" cy="276999"/>
+          </a:xfrm>
+          <a:prstGeom prst="rect">
+            <a:avLst/>
+          </a:prstGeom>
+          <a:noFill/>
+        </p:spPr>
+        <p:txBody>
+          <a:bodyPr wrap="square" rtlCol="0">
+            <a:spAutoFit/>
+          </a:bodyPr>
+          <a:lstStyle/>
+          <a:p>
+            <a:r>
+              <a:rPr lang="en-US" sz="1200" dirty="0"/>
+              <a:t>View Content</a:t>
             </a:r>
           </a:p>
         </p:txBody>
